--- a/Monthly Update.pptx
+++ b/Monthly Update.pptx
@@ -6,15 +6,19 @@
   </p:sldMasterIdLst>
   <p:sldIdLst>
     <p:sldId id="256" r:id="rId2"/>
-    <p:sldId id="262" r:id="rId3"/>
-    <p:sldId id="263" r:id="rId4"/>
-    <p:sldId id="265" r:id="rId5"/>
-    <p:sldId id="264" r:id="rId6"/>
-    <p:sldId id="266" r:id="rId7"/>
-    <p:sldId id="257" r:id="rId8"/>
-    <p:sldId id="258" r:id="rId9"/>
-    <p:sldId id="259" r:id="rId10"/>
-    <p:sldId id="261" r:id="rId11"/>
+    <p:sldId id="268" r:id="rId3"/>
+    <p:sldId id="267" r:id="rId4"/>
+    <p:sldId id="269" r:id="rId5"/>
+    <p:sldId id="262" r:id="rId6"/>
+    <p:sldId id="263" r:id="rId7"/>
+    <p:sldId id="264" r:id="rId8"/>
+    <p:sldId id="265" r:id="rId9"/>
+    <p:sldId id="266" r:id="rId10"/>
+    <p:sldId id="257" r:id="rId11"/>
+    <p:sldId id="259" r:id="rId12"/>
+    <p:sldId id="258" r:id="rId13"/>
+    <p:sldId id="270" r:id="rId14"/>
+    <p:sldId id="271" r:id="rId15"/>
   </p:sldIdLst>
   <p:sldSz cx="12192000" cy="6858000"/>
   <p:notesSz cx="6858000" cy="9144000"/>
@@ -113,6 +117,11 @@
       </a:defRPr>
     </a:lvl9pPr>
   </p:defaultTextStyle>
+  <p:extLst>
+    <p:ext uri="{EFAFB233-063F-42B5-8137-9DF3F51BA10A}">
+      <p15:sldGuideLst xmlns:p15="http://schemas.microsoft.com/office/powerpoint/2012/main"/>
+    </p:ext>
+  </p:extLst>
 </p:presentation>
 </file>
 
@@ -5409,6 +5418,10 @@
           <a:bodyPr/>
           <a:lstStyle/>
           <a:p>
+            <a:r>
+              <a:rPr lang="en-US" dirty="0" smtClean="0"/>
+              <a:t>Top Research Question</a:t>
+            </a:r>
             <a:endParaRPr lang="en-US" dirty="0"/>
           </a:p>
         </p:txBody>
@@ -5428,14 +5441,390 @@
           <a:bodyPr/>
           <a:lstStyle/>
           <a:p>
-            <a:endParaRPr lang="en-US"/>
+            <a:r>
+              <a:rPr lang="en-US" dirty="0" smtClean="0"/>
+              <a:t>For data that consists of text and image data, can a combined machine learning architecture discover features not captured by traditional single data type models</a:t>
+            </a:r>
+            <a:endParaRPr lang="en-US" dirty="0"/>
           </a:p>
         </p:txBody>
       </p:sp>
     </p:spTree>
     <p:extLst>
       <p:ext uri="{BB962C8B-B14F-4D97-AF65-F5344CB8AC3E}">
-        <p14:creationId xmlns:p14="http://schemas.microsoft.com/office/powerpoint/2010/main" val="3011441373"/>
+        <p14:creationId xmlns:p14="http://schemas.microsoft.com/office/powerpoint/2010/main" val="1669617676"/>
+      </p:ext>
+    </p:extLst>
+  </p:cSld>
+  <p:clrMapOvr>
+    <a:masterClrMapping/>
+  </p:clrMapOvr>
+</p:sld>
+</file>
+
+<file path=ppt/slides/slide11.xml><?xml version="1.0" encoding="utf-8"?>
+<p:sld xmlns:a="http://schemas.openxmlformats.org/drawingml/2006/main" xmlns:r="http://schemas.openxmlformats.org/officeDocument/2006/relationships" xmlns:p="http://schemas.openxmlformats.org/presentationml/2006/main">
+  <p:cSld>
+    <p:spTree>
+      <p:nvGrpSpPr>
+        <p:cNvPr id="1" name=""/>
+        <p:cNvGrpSpPr/>
+        <p:nvPr/>
+      </p:nvGrpSpPr>
+      <p:grpSpPr>
+        <a:xfrm>
+          <a:off x="0" y="0"/>
+          <a:ext cx="0" cy="0"/>
+          <a:chOff x="0" y="0"/>
+          <a:chExt cx="0" cy="0"/>
+        </a:xfrm>
+      </p:grpSpPr>
+      <p:sp>
+        <p:nvSpPr>
+          <p:cNvPr id="3" name="Content Placeholder 2"/>
+          <p:cNvSpPr>
+            <a:spLocks noGrp="1"/>
+          </p:cNvSpPr>
+          <p:nvPr>
+            <p:ph idx="1"/>
+          </p:nvPr>
+        </p:nvSpPr>
+        <p:spPr/>
+        <p:txBody>
+          <a:bodyPr/>
+          <a:lstStyle/>
+          <a:p>
+            <a:r>
+              <a:rPr lang="en-US" dirty="0" smtClean="0"/>
+              <a:t>Exploring new ways to architect the model to better process a combination of text and image data</a:t>
+            </a:r>
+          </a:p>
+          <a:p>
+            <a:r>
+              <a:rPr lang="en-US" dirty="0" smtClean="0"/>
+              <a:t>New ways to build a combined model based on existing models</a:t>
+            </a:r>
+          </a:p>
+          <a:p>
+            <a:pPr lvl="1"/>
+            <a:r>
+              <a:rPr lang="en-US" dirty="0" smtClean="0"/>
+              <a:t>Attention models to highlight the most significant data</a:t>
+            </a:r>
+          </a:p>
+          <a:p>
+            <a:r>
+              <a:rPr lang="en-US" dirty="0" smtClean="0"/>
+              <a:t>Train both data types on a single model, e.g. both text and images on a CNN</a:t>
+            </a:r>
+          </a:p>
+          <a:p>
+            <a:r>
+              <a:rPr lang="en-US" dirty="0" smtClean="0"/>
+              <a:t>Using representations of text -&gt; image as a form of regularization like flipping/rotating</a:t>
+            </a:r>
+          </a:p>
+        </p:txBody>
+      </p:sp>
+      <p:sp>
+        <p:nvSpPr>
+          <p:cNvPr id="4" name="Title 1"/>
+          <p:cNvSpPr>
+            <a:spLocks noGrp="1"/>
+          </p:cNvSpPr>
+          <p:nvPr>
+            <p:ph type="title"/>
+          </p:nvPr>
+        </p:nvSpPr>
+        <p:spPr>
+          <a:xfrm>
+            <a:off x="684212" y="4487332"/>
+            <a:ext cx="8534400" cy="1507067"/>
+          </a:xfrm>
+        </p:spPr>
+        <p:txBody>
+          <a:bodyPr/>
+          <a:lstStyle/>
+          <a:p>
+            <a:r>
+              <a:rPr lang="en-US" dirty="0" smtClean="0"/>
+              <a:t>Inductive/deductive</a:t>
+            </a:r>
+            <a:endParaRPr lang="en-US" dirty="0"/>
+          </a:p>
+        </p:txBody>
+      </p:sp>
+    </p:spTree>
+    <p:extLst>
+      <p:ext uri="{BB962C8B-B14F-4D97-AF65-F5344CB8AC3E}">
+        <p14:creationId xmlns:p14="http://schemas.microsoft.com/office/powerpoint/2010/main" val="3552480306"/>
+      </p:ext>
+    </p:extLst>
+  </p:cSld>
+  <p:clrMapOvr>
+    <a:masterClrMapping/>
+  </p:clrMapOvr>
+</p:sld>
+</file>
+
+<file path=ppt/slides/slide12.xml><?xml version="1.0" encoding="utf-8"?>
+<p:sld xmlns:a="http://schemas.openxmlformats.org/drawingml/2006/main" xmlns:r="http://schemas.openxmlformats.org/officeDocument/2006/relationships" xmlns:p="http://schemas.openxmlformats.org/presentationml/2006/main">
+  <p:cSld>
+    <p:spTree>
+      <p:nvGrpSpPr>
+        <p:cNvPr id="1" name=""/>
+        <p:cNvGrpSpPr/>
+        <p:nvPr/>
+      </p:nvGrpSpPr>
+      <p:grpSpPr>
+        <a:xfrm>
+          <a:off x="0" y="0"/>
+          <a:ext cx="0" cy="0"/>
+          <a:chOff x="0" y="0"/>
+          <a:chExt cx="0" cy="0"/>
+        </a:xfrm>
+      </p:grpSpPr>
+      <p:sp>
+        <p:nvSpPr>
+          <p:cNvPr id="2" name="Title 1"/>
+          <p:cNvSpPr>
+            <a:spLocks noGrp="1"/>
+          </p:cNvSpPr>
+          <p:nvPr>
+            <p:ph type="title"/>
+          </p:nvPr>
+        </p:nvSpPr>
+        <p:spPr/>
+        <p:txBody>
+          <a:bodyPr/>
+          <a:lstStyle/>
+          <a:p>
+            <a:r>
+              <a:rPr lang="en-US" dirty="0" smtClean="0"/>
+              <a:t>Architectures</a:t>
+            </a:r>
+            <a:endParaRPr lang="en-US" dirty="0"/>
+          </a:p>
+        </p:txBody>
+      </p:sp>
+      <p:sp>
+        <p:nvSpPr>
+          <p:cNvPr id="3" name="Content Placeholder 2"/>
+          <p:cNvSpPr>
+            <a:spLocks noGrp="1"/>
+          </p:cNvSpPr>
+          <p:nvPr>
+            <p:ph idx="1"/>
+          </p:nvPr>
+        </p:nvSpPr>
+        <p:spPr/>
+        <p:txBody>
+          <a:bodyPr/>
+          <a:lstStyle/>
+          <a:p>
+            <a:r>
+              <a:rPr lang="en-US" dirty="0" smtClean="0"/>
+              <a:t>LSTMs to internally represent the </a:t>
+            </a:r>
+            <a:r>
+              <a:rPr lang="en-US" dirty="0" smtClean="0"/>
+              <a:t>data</a:t>
+            </a:r>
+            <a:endParaRPr lang="en-US" dirty="0" smtClean="0"/>
+          </a:p>
+          <a:p>
+            <a:r>
+              <a:rPr lang="en-US" dirty="0" smtClean="0"/>
+              <a:t>Attention models</a:t>
+            </a:r>
+          </a:p>
+          <a:p>
+            <a:r>
+              <a:rPr lang="en-US" dirty="0" smtClean="0"/>
+              <a:t>Combinations of CNN and NNs</a:t>
+            </a:r>
+            <a:endParaRPr lang="en-US" dirty="0"/>
+          </a:p>
+        </p:txBody>
+      </p:sp>
+    </p:spTree>
+    <p:extLst>
+      <p:ext uri="{BB962C8B-B14F-4D97-AF65-F5344CB8AC3E}">
+        <p14:creationId xmlns:p14="http://schemas.microsoft.com/office/powerpoint/2010/main" val="3672470873"/>
+      </p:ext>
+    </p:extLst>
+  </p:cSld>
+  <p:clrMapOvr>
+    <a:masterClrMapping/>
+  </p:clrMapOvr>
+</p:sld>
+</file>
+
+<file path=ppt/slides/slide13.xml><?xml version="1.0" encoding="utf-8"?>
+<p:sld xmlns:a="http://schemas.openxmlformats.org/drawingml/2006/main" xmlns:r="http://schemas.openxmlformats.org/officeDocument/2006/relationships" xmlns:p="http://schemas.openxmlformats.org/presentationml/2006/main">
+  <p:cSld>
+    <p:spTree>
+      <p:nvGrpSpPr>
+        <p:cNvPr id="1" name=""/>
+        <p:cNvGrpSpPr/>
+        <p:nvPr/>
+      </p:nvGrpSpPr>
+      <p:grpSpPr>
+        <a:xfrm>
+          <a:off x="0" y="0"/>
+          <a:ext cx="0" cy="0"/>
+          <a:chOff x="0" y="0"/>
+          <a:chExt cx="0" cy="0"/>
+        </a:xfrm>
+      </p:grpSpPr>
+      <p:sp>
+        <p:nvSpPr>
+          <p:cNvPr id="2" name="Title 1"/>
+          <p:cNvSpPr>
+            <a:spLocks noGrp="1"/>
+          </p:cNvSpPr>
+          <p:nvPr>
+            <p:ph type="title"/>
+          </p:nvPr>
+        </p:nvSpPr>
+        <p:spPr/>
+        <p:txBody>
+          <a:bodyPr/>
+          <a:lstStyle/>
+          <a:p>
+            <a:r>
+              <a:rPr lang="en-US" dirty="0" smtClean="0"/>
+              <a:t>Possible Applications</a:t>
+            </a:r>
+            <a:endParaRPr lang="en-US" dirty="0"/>
+          </a:p>
+        </p:txBody>
+      </p:sp>
+      <p:sp>
+        <p:nvSpPr>
+          <p:cNvPr id="3" name="Content Placeholder 2"/>
+          <p:cNvSpPr>
+            <a:spLocks noGrp="1"/>
+          </p:cNvSpPr>
+          <p:nvPr>
+            <p:ph idx="1"/>
+          </p:nvPr>
+        </p:nvSpPr>
+        <p:spPr/>
+        <p:txBody>
+          <a:bodyPr/>
+          <a:lstStyle/>
+          <a:p>
+            <a:r>
+              <a:rPr lang="en-US" dirty="0" smtClean="0"/>
+              <a:t>Answer set selection</a:t>
+            </a:r>
+          </a:p>
+          <a:p>
+            <a:r>
+              <a:rPr lang="en-US" dirty="0" smtClean="0"/>
+              <a:t>Semantic text scoring</a:t>
+            </a:r>
+          </a:p>
+          <a:p>
+            <a:r>
+              <a:rPr lang="en-US" dirty="0" smtClean="0"/>
+              <a:t>Next utterance ranking</a:t>
+            </a:r>
+          </a:p>
+          <a:p>
+            <a:r>
+              <a:rPr lang="en-US" dirty="0" smtClean="0"/>
+              <a:t>Recognizing textual entailment</a:t>
+            </a:r>
+            <a:endParaRPr lang="en-US" dirty="0"/>
+          </a:p>
+        </p:txBody>
+      </p:sp>
+    </p:spTree>
+    <p:extLst>
+      <p:ext uri="{BB962C8B-B14F-4D97-AF65-F5344CB8AC3E}">
+        <p14:creationId xmlns:p14="http://schemas.microsoft.com/office/powerpoint/2010/main" val="1373234382"/>
+      </p:ext>
+    </p:extLst>
+  </p:cSld>
+  <p:clrMapOvr>
+    <a:masterClrMapping/>
+  </p:clrMapOvr>
+</p:sld>
+</file>
+
+<file path=ppt/slides/slide14.xml><?xml version="1.0" encoding="utf-8"?>
+<p:sld xmlns:a="http://schemas.openxmlformats.org/drawingml/2006/main" xmlns:r="http://schemas.openxmlformats.org/officeDocument/2006/relationships" xmlns:p="http://schemas.openxmlformats.org/presentationml/2006/main">
+  <p:cSld>
+    <p:spTree>
+      <p:nvGrpSpPr>
+        <p:cNvPr id="1" name=""/>
+        <p:cNvGrpSpPr/>
+        <p:nvPr/>
+      </p:nvGrpSpPr>
+      <p:grpSpPr>
+        <a:xfrm>
+          <a:off x="0" y="0"/>
+          <a:ext cx="0" cy="0"/>
+          <a:chOff x="0" y="0"/>
+          <a:chExt cx="0" cy="0"/>
+        </a:xfrm>
+      </p:grpSpPr>
+      <p:sp>
+        <p:nvSpPr>
+          <p:cNvPr id="2" name="Title 1"/>
+          <p:cNvSpPr>
+            <a:spLocks noGrp="1"/>
+          </p:cNvSpPr>
+          <p:nvPr>
+            <p:ph type="title"/>
+          </p:nvPr>
+        </p:nvSpPr>
+        <p:spPr/>
+        <p:txBody>
+          <a:bodyPr/>
+          <a:lstStyle/>
+          <a:p>
+            <a:r>
+              <a:rPr lang="en-US" dirty="0" smtClean="0"/>
+              <a:t>Benchmarks</a:t>
+            </a:r>
+            <a:endParaRPr lang="en-US" dirty="0"/>
+          </a:p>
+        </p:txBody>
+      </p:sp>
+      <p:sp>
+        <p:nvSpPr>
+          <p:cNvPr id="3" name="Content Placeholder 2"/>
+          <p:cNvSpPr>
+            <a:spLocks noGrp="1"/>
+          </p:cNvSpPr>
+          <p:nvPr>
+            <p:ph idx="1"/>
+          </p:nvPr>
+        </p:nvSpPr>
+        <p:spPr/>
+        <p:txBody>
+          <a:bodyPr/>
+          <a:lstStyle/>
+          <a:p>
+            <a:r>
+              <a:rPr lang="en-US" dirty="0" err="1" smtClean="0"/>
+              <a:t>TACoS</a:t>
+            </a:r>
+            <a:r>
+              <a:rPr lang="en-US" dirty="0" smtClean="0"/>
+              <a:t> – video/sentence pairs</a:t>
+            </a:r>
+            <a:endParaRPr lang="en-US" dirty="0"/>
+          </a:p>
+        </p:txBody>
+      </p:sp>
+    </p:spTree>
+    <p:extLst>
+      <p:ext uri="{BB962C8B-B14F-4D97-AF65-F5344CB8AC3E}">
+        <p14:creationId xmlns:p14="http://schemas.microsoft.com/office/powerpoint/2010/main" val="1872367081"/>
       </p:ext>
     </p:extLst>
   </p:cSld>
@@ -5479,7 +5868,7 @@
           <a:p>
             <a:r>
               <a:rPr lang="en-US" dirty="0" smtClean="0"/>
-              <a:t>Why it matters</a:t>
+              <a:t>Applied Machine Learning</a:t>
             </a:r>
             <a:endParaRPr lang="en-US" dirty="0"/>
           </a:p>
@@ -5502,13 +5891,7 @@
           <a:p>
             <a:r>
               <a:rPr lang="en-US" dirty="0" smtClean="0"/>
-              <a:t>Data is trending to be larger</a:t>
-            </a:r>
-          </a:p>
-          <a:p>
-            <a:r>
-              <a:rPr lang="en-US" dirty="0" smtClean="0"/>
-              <a:t>Available data is more complicated, such as a combination of image and text data</a:t>
+              <a:t>Explore new ways to represent, manipulate, and guide data analysis with machine learning tools</a:t>
             </a:r>
             <a:endParaRPr lang="en-US" dirty="0"/>
           </a:p>
@@ -5517,7 +5900,7 @@
     </p:spTree>
     <p:extLst>
       <p:ext uri="{BB962C8B-B14F-4D97-AF65-F5344CB8AC3E}">
-        <p14:creationId xmlns:p14="http://schemas.microsoft.com/office/powerpoint/2010/main" val="716847742"/>
+        <p14:creationId xmlns:p14="http://schemas.microsoft.com/office/powerpoint/2010/main" val="3568066133"/>
       </p:ext>
     </p:extLst>
   </p:cSld>
@@ -5561,7 +5944,7 @@
           <a:p>
             <a:r>
               <a:rPr lang="en-US" dirty="0" smtClean="0"/>
-              <a:t>Gap</a:t>
+              <a:t>Interests</a:t>
             </a:r>
             <a:endParaRPr lang="en-US" dirty="0"/>
           </a:p>
@@ -5584,36 +5967,34 @@
           <a:p>
             <a:r>
               <a:rPr lang="en-US" dirty="0" smtClean="0"/>
-              <a:t>Architectures for combining image and text data</a:t>
-            </a:r>
-          </a:p>
-          <a:p>
+              <a:t>Scenarios with multiple data types</a:t>
+            </a:r>
+          </a:p>
+          <a:p>
+            <a:pPr lvl="1"/>
             <a:r>
               <a:rPr lang="en-US" dirty="0" smtClean="0"/>
-              <a:t>Preprocessing techniques that work well for </a:t>
+              <a:t>Examples: video, audio, image, text</a:t>
             </a:r>
           </a:p>
           <a:p>
             <a:pPr lvl="1"/>
             <a:r>
               <a:rPr lang="en-US" dirty="0" smtClean="0"/>
-              <a:t>Translating between data types</a:t>
-            </a:r>
-          </a:p>
-          <a:p>
-            <a:pPr lvl="1"/>
-            <a:r>
-              <a:rPr lang="en-US" dirty="0" smtClean="0"/>
-              <a:t>Or preparing each data type to be modeled together</a:t>
-            </a:r>
-            <a:endParaRPr lang="en-US" dirty="0"/>
+              <a:t>Types: Handwriting, speech, </a:t>
+            </a:r>
+            <a:r>
+              <a:rPr lang="en-US" dirty="0" err="1" smtClean="0"/>
+              <a:t>etc</a:t>
+            </a:r>
+            <a:endParaRPr lang="en-US" dirty="0" smtClean="0"/>
           </a:p>
         </p:txBody>
       </p:sp>
     </p:spTree>
     <p:extLst>
       <p:ext uri="{BB962C8B-B14F-4D97-AF65-F5344CB8AC3E}">
-        <p14:creationId xmlns:p14="http://schemas.microsoft.com/office/powerpoint/2010/main" val="673307267"/>
+        <p14:creationId xmlns:p14="http://schemas.microsoft.com/office/powerpoint/2010/main" val="4241197833"/>
       </p:ext>
     </p:extLst>
   </p:cSld>
@@ -5657,7 +6038,7 @@
           <a:p>
             <a:r>
               <a:rPr lang="en-US" dirty="0" smtClean="0"/>
-              <a:t>Problems</a:t>
+              <a:t>Existing Research Ideas</a:t>
             </a:r>
             <a:endParaRPr lang="en-US" dirty="0"/>
           </a:p>
@@ -5680,8 +6061,34 @@
           <a:p>
             <a:r>
               <a:rPr lang="en-US" dirty="0" smtClean="0"/>
-              <a:t>Current modeling techniques do not do a great job of analyzing the relationship between image and text data, but tend to analyze them separately</a:t>
-            </a:r>
+              <a:t>Attention Models</a:t>
+            </a:r>
+          </a:p>
+          <a:p>
+            <a:r>
+              <a:rPr lang="en-US" dirty="0" smtClean="0"/>
+              <a:t>RNNs: LSTMs/GRU</a:t>
+            </a:r>
+          </a:p>
+          <a:p>
+            <a:r>
+              <a:rPr lang="en-US" dirty="0" smtClean="0"/>
+              <a:t>LRCNs</a:t>
+            </a:r>
+          </a:p>
+          <a:p>
+            <a:r>
+              <a:rPr lang="en-US" dirty="0" smtClean="0"/>
+              <a:t>3D CNNs</a:t>
+            </a:r>
+          </a:p>
+          <a:p>
+            <a:r>
+              <a:rPr lang="en-US" dirty="0" smtClean="0"/>
+              <a:t>ANNs</a:t>
+            </a:r>
+          </a:p>
+          <a:p>
             <a:endParaRPr lang="en-US" dirty="0"/>
           </a:p>
         </p:txBody>
@@ -5689,7 +6096,7 @@
     </p:spTree>
     <p:extLst>
       <p:ext uri="{BB962C8B-B14F-4D97-AF65-F5344CB8AC3E}">
-        <p14:creationId xmlns:p14="http://schemas.microsoft.com/office/powerpoint/2010/main" val="3184109493"/>
+        <p14:creationId xmlns:p14="http://schemas.microsoft.com/office/powerpoint/2010/main" val="71175260"/>
       </p:ext>
     </p:extLst>
   </p:cSld>
@@ -5733,7 +6140,7 @@
           <a:p>
             <a:r>
               <a:rPr lang="en-US" dirty="0" smtClean="0"/>
-              <a:t>What I would like to know</a:t>
+              <a:t>Data Trends</a:t>
             </a:r>
             <a:endParaRPr lang="en-US" dirty="0"/>
           </a:p>
@@ -5756,13 +6163,13 @@
           <a:p>
             <a:r>
               <a:rPr lang="en-US" dirty="0" smtClean="0"/>
-              <a:t>Do there exist interacting features between text and image data</a:t>
+              <a:t>Data is trending to be larger</a:t>
             </a:r>
           </a:p>
           <a:p>
             <a:r>
               <a:rPr lang="en-US" dirty="0" smtClean="0"/>
-              <a:t>If so, how can these be measured?</a:t>
+              <a:t>Available data is more complicated, such as a combination of image and text data</a:t>
             </a:r>
             <a:endParaRPr lang="en-US" dirty="0"/>
           </a:p>
@@ -5771,7 +6178,7 @@
     </p:spTree>
     <p:extLst>
       <p:ext uri="{BB962C8B-B14F-4D97-AF65-F5344CB8AC3E}">
-        <p14:creationId xmlns:p14="http://schemas.microsoft.com/office/powerpoint/2010/main" val="957467369"/>
+        <p14:creationId xmlns:p14="http://schemas.microsoft.com/office/powerpoint/2010/main" val="716847742"/>
       </p:ext>
     </p:extLst>
   </p:cSld>
@@ -5815,7 +6222,7 @@
           <a:p>
             <a:r>
               <a:rPr lang="en-US" dirty="0" smtClean="0"/>
-              <a:t>Purpose</a:t>
+              <a:t>Gap</a:t>
             </a:r>
             <a:endParaRPr lang="en-US" dirty="0"/>
           </a:p>
@@ -5838,7 +6245,27 @@
           <a:p>
             <a:r>
               <a:rPr lang="en-US" dirty="0" smtClean="0"/>
-              <a:t>Put together reasonable ways to go about modeling image and text data relationships</a:t>
+              <a:t>Architectures for combining image and text data</a:t>
+            </a:r>
+          </a:p>
+          <a:p>
+            <a:r>
+              <a:rPr lang="en-US" dirty="0" smtClean="0"/>
+              <a:t>Preprocessing techniques that work well for </a:t>
+            </a:r>
+          </a:p>
+          <a:p>
+            <a:pPr lvl="1"/>
+            <a:r>
+              <a:rPr lang="en-US" dirty="0" smtClean="0"/>
+              <a:t>Translating between data types</a:t>
+            </a:r>
+          </a:p>
+          <a:p>
+            <a:pPr lvl="1"/>
+            <a:r>
+              <a:rPr lang="en-US" dirty="0" smtClean="0"/>
+              <a:t>Or preparing each data type to be modeled together</a:t>
             </a:r>
             <a:endParaRPr lang="en-US" dirty="0"/>
           </a:p>
@@ -5847,7 +6274,7 @@
     </p:spTree>
     <p:extLst>
       <p:ext uri="{BB962C8B-B14F-4D97-AF65-F5344CB8AC3E}">
-        <p14:creationId xmlns:p14="http://schemas.microsoft.com/office/powerpoint/2010/main" val="2126050413"/>
+        <p14:creationId xmlns:p14="http://schemas.microsoft.com/office/powerpoint/2010/main" val="673307267"/>
       </p:ext>
     </p:extLst>
   </p:cSld>
@@ -5891,7 +6318,7 @@
           <a:p>
             <a:r>
               <a:rPr lang="en-US" dirty="0" smtClean="0"/>
-              <a:t>Top Research Question</a:t>
+              <a:t>What I would like to know</a:t>
             </a:r>
             <a:endParaRPr lang="en-US" dirty="0"/>
           </a:p>
@@ -5914,7 +6341,13 @@
           <a:p>
             <a:r>
               <a:rPr lang="en-US" dirty="0" smtClean="0"/>
-              <a:t>For data that consists of text and image data, can a combined machine learning architecture discover features not captured by traditional single data type models</a:t>
+              <a:t>Do there exist interacting features between text and image data</a:t>
+            </a:r>
+          </a:p>
+          <a:p>
+            <a:r>
+              <a:rPr lang="en-US" dirty="0" smtClean="0"/>
+              <a:t>If so, how can these be measured?</a:t>
             </a:r>
             <a:endParaRPr lang="en-US" dirty="0"/>
           </a:p>
@@ -5923,7 +6356,7 @@
     </p:spTree>
     <p:extLst>
       <p:ext uri="{BB962C8B-B14F-4D97-AF65-F5344CB8AC3E}">
-        <p14:creationId xmlns:p14="http://schemas.microsoft.com/office/powerpoint/2010/main" val="1669617676"/>
+        <p14:creationId xmlns:p14="http://schemas.microsoft.com/office/powerpoint/2010/main" val="957467369"/>
       </p:ext>
     </p:extLst>
   </p:cSld>
@@ -5967,7 +6400,7 @@
           <a:p>
             <a:r>
               <a:rPr lang="en-US" dirty="0" smtClean="0"/>
-              <a:t>Architectures</a:t>
+              <a:t>Problems</a:t>
             </a:r>
             <a:endParaRPr lang="en-US" dirty="0"/>
           </a:p>
@@ -5990,19 +6423,7 @@
           <a:p>
             <a:r>
               <a:rPr lang="en-US" dirty="0" smtClean="0"/>
-              <a:t>LSTMs to internally represent the data</a:t>
-            </a:r>
-          </a:p>
-          <a:p>
-            <a:r>
-              <a:rPr lang="en-US" dirty="0" smtClean="0"/>
-              <a:t>Attention models</a:t>
-            </a:r>
-          </a:p>
-          <a:p>
-            <a:r>
-              <a:rPr lang="en-US" dirty="0" smtClean="0"/>
-              <a:t>Combinations of CNN and NNs</a:t>
+              <a:t>Current modeling techniques do not do a great job of analyzing the relationship between image and text data, but tend to analyze them separately</a:t>
             </a:r>
             <a:endParaRPr lang="en-US" dirty="0"/>
           </a:p>
@@ -6011,7 +6432,7 @@
     </p:spTree>
     <p:extLst>
       <p:ext uri="{BB962C8B-B14F-4D97-AF65-F5344CB8AC3E}">
-        <p14:creationId xmlns:p14="http://schemas.microsoft.com/office/powerpoint/2010/main" val="3672470873"/>
+        <p14:creationId xmlns:p14="http://schemas.microsoft.com/office/powerpoint/2010/main" val="3184109493"/>
       </p:ext>
     </p:extLst>
   </p:cSld>
@@ -6040,6 +6461,29 @@
       </p:grpSpPr>
       <p:sp>
         <p:nvSpPr>
+          <p:cNvPr id="2" name="Title 1"/>
+          <p:cNvSpPr>
+            <a:spLocks noGrp="1"/>
+          </p:cNvSpPr>
+          <p:nvPr>
+            <p:ph type="title"/>
+          </p:nvPr>
+        </p:nvSpPr>
+        <p:spPr/>
+        <p:txBody>
+          <a:bodyPr/>
+          <a:lstStyle/>
+          <a:p>
+            <a:r>
+              <a:rPr lang="en-US" dirty="0" smtClean="0"/>
+              <a:t>Purpose</a:t>
+            </a:r>
+            <a:endParaRPr lang="en-US" dirty="0"/>
+          </a:p>
+        </p:txBody>
+      </p:sp>
+      <p:sp>
+        <p:nvSpPr>
           <p:cNvPr id="3" name="Content Placeholder 2"/>
           <p:cNvSpPr>
             <a:spLocks noGrp="1"/>
@@ -6055,40 +6499,16 @@
           <a:p>
             <a:r>
               <a:rPr lang="en-US" dirty="0" smtClean="0"/>
-              <a:t>Exploring new ways to architect the model to better process a combination of text and image data</a:t>
-            </a:r>
-          </a:p>
-          <a:p>
-            <a:r>
-              <a:rPr lang="en-US" dirty="0" smtClean="0"/>
-              <a:t>New ways to build a combined model based on existing models</a:t>
-            </a:r>
-          </a:p>
-          <a:p>
-            <a:pPr lvl="1"/>
-            <a:r>
-              <a:rPr lang="en-US" dirty="0" smtClean="0"/>
-              <a:t>Attention models to highlight the most significant data</a:t>
-            </a:r>
-          </a:p>
-          <a:p>
-            <a:r>
-              <a:rPr lang="en-US" dirty="0" smtClean="0"/>
-              <a:t>Train both data types on a single model, e.g. both text and images on a CNN</a:t>
-            </a:r>
-          </a:p>
-          <a:p>
-            <a:r>
-              <a:rPr lang="en-US" dirty="0" smtClean="0"/>
-              <a:t>Using representations of text -&gt; image as a form of regularization like flipping/rotating</a:t>
-            </a:r>
+              <a:t>Put together reasonable ways to go about modeling image and text data relationships</a:t>
+            </a:r>
+            <a:endParaRPr lang="en-US" dirty="0"/>
           </a:p>
         </p:txBody>
       </p:sp>
     </p:spTree>
     <p:extLst>
       <p:ext uri="{BB962C8B-B14F-4D97-AF65-F5344CB8AC3E}">
-        <p14:creationId xmlns:p14="http://schemas.microsoft.com/office/powerpoint/2010/main" val="3552480306"/>
+        <p14:creationId xmlns:p14="http://schemas.microsoft.com/office/powerpoint/2010/main" val="2126050413"/>
       </p:ext>
     </p:extLst>
   </p:cSld>
